--- a/26. RNN.pptx
+++ b/26. RNN.pptx
@@ -142,10 +142,10 @@
   </p:defaultTextStyle>
   <p:extLst>
     <p:ext uri="{EFAFB233-063F-42B5-8137-9DF3F51BA10A}">
-      <p15:sldGuideLst xmlns:p15="http://schemas.microsoft.com/office/powerpoint/2012/main" xmlns=""/>
+      <p15:sldGuideLst xmlns="" xmlns:p15="http://schemas.microsoft.com/office/powerpoint/2012/main"/>
     </p:ext>
     <p:ext uri="{2D200454-40CA-4A62-9FC3-DE9A4176ACB9}">
-      <p15:notesGuideLst xmlns:p15="http://schemas.microsoft.com/office/powerpoint/2012/main" xmlns=""/>
+      <p15:notesGuideLst xmlns="" xmlns:p15="http://schemas.microsoft.com/office/powerpoint/2012/main"/>
     </p:ext>
   </p:extLst>
 </p:presentation>
@@ -178,7 +178,7 @@
           <p:cNvPr id="2" name="Header Placeholder 1">
             <a:extLst>
               <a:ext uri="{FF2B5EF4-FFF2-40B4-BE49-F238E27FC236}">
-                <a16:creationId xmlns:a16="http://schemas.microsoft.com/office/drawing/2014/main" xmlns="" id="{225C4C60-1EF3-4FD4-87FC-FFD0C8C0B512}"/>
+                <a16:creationId xmlns="" xmlns:a16="http://schemas.microsoft.com/office/drawing/2014/main" id="{225C4C60-1EF3-4FD4-87FC-FFD0C8C0B512}"/>
               </a:ext>
             </a:extLst>
           </p:cNvPr>
@@ -215,7 +215,7 @@
           <p:cNvPr id="3" name="Date Placeholder 2">
             <a:extLst>
               <a:ext uri="{FF2B5EF4-FFF2-40B4-BE49-F238E27FC236}">
-                <a16:creationId xmlns:a16="http://schemas.microsoft.com/office/drawing/2014/main" xmlns="" id="{4423CBE6-0CF8-47D0-9A42-DE375B502331}"/>
+                <a16:creationId xmlns="" xmlns:a16="http://schemas.microsoft.com/office/drawing/2014/main" id="{4423CBE6-0CF8-47D0-9A42-DE375B502331}"/>
               </a:ext>
             </a:extLst>
           </p:cNvPr>
@@ -246,7 +246,7 @@
             <a:fld id="{E0B62A4F-2A47-4D74-9C2B-404E0C6A6728}" type="datetimeFigureOut">
               <a:rPr lang="en-US" smtClean="0"/>
               <a:pPr/>
-              <a:t>4/14/2020</a:t>
+              <a:t>5/14/2020</a:t>
             </a:fld>
             <a:endParaRPr lang="en-US"/>
           </a:p>
@@ -257,7 +257,7 @@
           <p:cNvPr id="4" name="Footer Placeholder 3">
             <a:extLst>
               <a:ext uri="{FF2B5EF4-FFF2-40B4-BE49-F238E27FC236}">
-                <a16:creationId xmlns:a16="http://schemas.microsoft.com/office/drawing/2014/main" xmlns="" id="{C7A018A9-4D12-4C87-A2BE-6CD454092033}"/>
+                <a16:creationId xmlns="" xmlns:a16="http://schemas.microsoft.com/office/drawing/2014/main" id="{C7A018A9-4D12-4C87-A2BE-6CD454092033}"/>
               </a:ext>
             </a:extLst>
           </p:cNvPr>
@@ -294,7 +294,7 @@
           <p:cNvPr id="5" name="Slide Number Placeholder 4">
             <a:extLst>
               <a:ext uri="{FF2B5EF4-FFF2-40B4-BE49-F238E27FC236}">
-                <a16:creationId xmlns:a16="http://schemas.microsoft.com/office/drawing/2014/main" xmlns="" id="{2F746E41-4CA7-4967-8296-3D208982C372}"/>
+                <a16:creationId xmlns="" xmlns:a16="http://schemas.microsoft.com/office/drawing/2014/main" id="{2F746E41-4CA7-4967-8296-3D208982C372}"/>
               </a:ext>
             </a:extLst>
           </p:cNvPr>
@@ -426,7 +426,7 @@
             <a:fld id="{C27EFA79-94F4-4F83-9074-800ADCDB8B57}" type="datetimeFigureOut">
               <a:rPr lang="en-US" smtClean="0"/>
               <a:pPr/>
-              <a:t>4/14/2020</a:t>
+              <a:t>5/14/2020</a:t>
             </a:fld>
             <a:endParaRPr lang="en-US"/>
           </a:p>
@@ -884,7 +884,7 @@
             <a:fld id="{20D1E156-D42A-4ADE-A673-51A80034F297}" type="datetime1">
               <a:rPr lang="en-US" smtClean="0"/>
               <a:pPr/>
-              <a:t>4/14/2020</a:t>
+              <a:t>5/14/2020</a:t>
             </a:fld>
             <a:endParaRPr lang="en-US" dirty="0"/>
           </a:p>
@@ -1086,7 +1086,7 @@
             <a:fld id="{612D96CD-BEB1-426C-9EC5-1E22E1E5BDEF}" type="datetime1">
               <a:rPr lang="en-US" smtClean="0"/>
               <a:pPr/>
-              <a:t>4/14/2020</a:t>
+              <a:t>5/14/2020</a:t>
             </a:fld>
             <a:endParaRPr lang="en-US" dirty="0"/>
           </a:p>
@@ -1263,7 +1263,7 @@
             <a:fld id="{B1BCBE90-35D6-406F-A7A7-ED27BBF57379}" type="datetime1">
               <a:rPr lang="en-US" smtClean="0"/>
               <a:pPr/>
-              <a:t>4/14/2020</a:t>
+              <a:t>5/14/2020</a:t>
             </a:fld>
             <a:endParaRPr lang="en-US" dirty="0"/>
           </a:p>
@@ -1430,7 +1430,7 @@
             <a:fld id="{EA9BD9E9-5EA4-4A2A-B2C5-681A82CF0593}" type="datetime1">
               <a:rPr lang="en-US" smtClean="0"/>
               <a:pPr/>
-              <a:t>4/14/2020</a:t>
+              <a:t>5/14/2020</a:t>
             </a:fld>
             <a:endParaRPr lang="en-US" dirty="0"/>
           </a:p>
@@ -1680,7 +1680,7 @@
             <a:fld id="{614447C9-74F0-431B-AC79-99109FF38A49}" type="datetime1">
               <a:rPr lang="en-US" smtClean="0"/>
               <a:pPr/>
-              <a:t>4/14/2020</a:t>
+              <a:t>5/14/2020</a:t>
             </a:fld>
             <a:endParaRPr lang="en-US" dirty="0"/>
           </a:p>
@@ -2000,7 +2000,7 @@
             <a:fld id="{928EA129-4B05-4CB6-BF54-CC9BAEAF7763}" type="datetime1">
               <a:rPr lang="en-US" smtClean="0"/>
               <a:pPr/>
-              <a:t>4/14/2020</a:t>
+              <a:t>5/14/2020</a:t>
             </a:fld>
             <a:endParaRPr lang="en-US" dirty="0"/>
           </a:p>
@@ -2468,7 +2468,7 @@
             <a:fld id="{EBD5F4E9-4FF0-4A41-B59B-B3C77178F1D4}" type="datetime1">
               <a:rPr lang="en-US" smtClean="0"/>
               <a:pPr/>
-              <a:t>4/14/2020</a:t>
+              <a:t>5/14/2020</a:t>
             </a:fld>
             <a:endParaRPr lang="en-US" dirty="0"/>
           </a:p>
@@ -2618,7 +2618,7 @@
             <a:fld id="{1B81751D-D9A9-42CB-96CB-D852143C3E1D}" type="datetime1">
               <a:rPr lang="en-US" smtClean="0"/>
               <a:pPr/>
-              <a:t>4/14/2020</a:t>
+              <a:t>5/14/2020</a:t>
             </a:fld>
             <a:endParaRPr lang="en-US" dirty="0"/>
           </a:p>
@@ -2710,7 +2710,7 @@
             <a:fld id="{BE38B091-B052-476A-9A01-E714381DD6A0}" type="datetime1">
               <a:rPr lang="en-US" smtClean="0"/>
               <a:pPr/>
-              <a:t>4/14/2020</a:t>
+              <a:t>5/14/2020</a:t>
             </a:fld>
             <a:endParaRPr lang="en-US" dirty="0"/>
           </a:p>
@@ -2986,7 +2986,7 @@
             <a:fld id="{DD9BA0DD-DD03-4EAA-BD7E-1C4F8F5EEC84}" type="datetime1">
               <a:rPr lang="en-US" smtClean="0"/>
               <a:pPr/>
-              <a:t>4/14/2020</a:t>
+              <a:t>5/14/2020</a:t>
             </a:fld>
             <a:endParaRPr lang="en-US" dirty="0"/>
           </a:p>
@@ -3293,7 +3293,7 @@
             <a:fld id="{BB8EB681-E53D-4D2F-8C26-907E76CAE5DA}" type="datetime1">
               <a:rPr lang="en-US" smtClean="0"/>
               <a:pPr/>
-              <a:t>4/14/2020</a:t>
+              <a:t>5/14/2020</a:t>
             </a:fld>
             <a:endParaRPr lang="en-US" dirty="0"/>
           </a:p>
@@ -3593,7 +3593,7 @@
             <a:fld id="{E9A0F167-ED44-4106-A92C-2C523A34F8CD}" type="datetime1">
               <a:rPr lang="en-US" smtClean="0"/>
               <a:pPr/>
-              <a:t>4/14/2020</a:t>
+              <a:t>5/14/2020</a:t>
             </a:fld>
             <a:endParaRPr lang="en-US" dirty="0"/>
           </a:p>
@@ -3997,7 +3997,7 @@
           <p:cNvPr id="2" name="Title 1">
             <a:extLst>
               <a:ext uri="{FF2B5EF4-FFF2-40B4-BE49-F238E27FC236}">
-                <a16:creationId xmlns:a16="http://schemas.microsoft.com/office/drawing/2014/main" xmlns="" id="{882C51B3-790C-4AF4-90BB-C64D2C39C84F}"/>
+                <a16:creationId xmlns="" xmlns:a16="http://schemas.microsoft.com/office/drawing/2014/main" id="{882C51B3-790C-4AF4-90BB-C64D2C39C84F}"/>
               </a:ext>
             </a:extLst>
           </p:cNvPr>
@@ -4028,7 +4028,7 @@
           <p:cNvPr id="3" name="Subtitle 2">
             <a:extLst>
               <a:ext uri="{FF2B5EF4-FFF2-40B4-BE49-F238E27FC236}">
-                <a16:creationId xmlns:a16="http://schemas.microsoft.com/office/drawing/2014/main" xmlns="" id="{E39DB5C7-874F-48D9-9B33-AA443C0E013B}"/>
+                <a16:creationId xmlns="" xmlns:a16="http://schemas.microsoft.com/office/drawing/2014/main" id="{E39DB5C7-874F-48D9-9B33-AA443C0E013B}"/>
               </a:ext>
             </a:extLst>
           </p:cNvPr>
@@ -4065,7 +4065,7 @@
           <p:cNvPr id="4" name="Slide Number Placeholder 3">
             <a:extLst>
               <a:ext uri="{FF2B5EF4-FFF2-40B4-BE49-F238E27FC236}">
-                <a16:creationId xmlns:a16="http://schemas.microsoft.com/office/drawing/2014/main" xmlns="" id="{48AC1A6B-4A65-4CE4-9B16-26E07DD0FAC0}"/>
+                <a16:creationId xmlns="" xmlns:a16="http://schemas.microsoft.com/office/drawing/2014/main" id="{48AC1A6B-4A65-4CE4-9B16-26E07DD0FAC0}"/>
               </a:ext>
             </a:extLst>
           </p:cNvPr>
@@ -4501,11 +4501,7 @@
             <a:pPr lvl="2"/>
             <a:r>
               <a:rPr lang="en-IN" sz="2400" dirty="0"/>
-              <a:t>Next word you are going </a:t>
-            </a:r>
-            <a:r>
-              <a:rPr lang="en-IN" sz="2400" dirty="0"/>
-              <a:t>to </a:t>
+              <a:t>Next word you are going to </a:t>
             </a:r>
             <a:r>
               <a:rPr lang="en-IN" sz="2400" dirty="0" smtClean="0"/>
@@ -7730,8 +7726,8 @@
           </a:prstGeom>
         </p:spPr>
       </p:pic>
-      <mc:AlternateContent xmlns:mc="http://schemas.openxmlformats.org/markup-compatibility/2006">
-        <mc:Choice xmlns:a14="http://schemas.microsoft.com/office/drawing/2010/main" Requires="a14">
+      <mc:AlternateContent xmlns:mc="http://schemas.openxmlformats.org/markup-compatibility/2006" xmlns:a14="http://schemas.microsoft.com/office/drawing/2010/main">
+        <mc:Choice Requires="a14">
           <p:sp>
             <p:nvSpPr>
               <p:cNvPr id="12" name="TextBox 11"/>
@@ -7841,7 +7837,7 @@
             </p:txBody>
           </p:sp>
         </mc:Choice>
-        <mc:Fallback>
+        <mc:Fallback xmlns="">
           <p:sp>
             <p:nvSpPr>
               <p:cNvPr id="12" name="TextBox 11"/>
@@ -7910,8 +7906,8 @@
           </a:prstGeom>
         </p:spPr>
       </p:pic>
-      <mc:AlternateContent xmlns:mc="http://schemas.openxmlformats.org/markup-compatibility/2006">
-        <mc:Choice xmlns:a14="http://schemas.microsoft.com/office/drawing/2010/main" Requires="a14">
+      <mc:AlternateContent xmlns:mc="http://schemas.openxmlformats.org/markup-compatibility/2006" xmlns:a14="http://schemas.microsoft.com/office/drawing/2010/main">
+        <mc:Choice Requires="a14">
           <p:sp>
             <p:nvSpPr>
               <p:cNvPr id="14" name="TextBox 13"/>
@@ -8023,7 +8019,7 @@
             </p:txBody>
           </p:sp>
         </mc:Choice>
-        <mc:Fallback>
+        <mc:Fallback xmlns="">
           <p:sp>
             <p:nvSpPr>
               <p:cNvPr id="14" name="TextBox 13"/>
@@ -8179,6 +8175,13 @@
   <p:clrMapOvr>
     <a:masterClrMapping/>
   </p:clrMapOvr>
+  <p:timing>
+    <p:tnLst>
+      <p:par>
+        <p:cTn id="1" dur="indefinite" restart="never" nodeType="tmRoot"/>
+      </p:par>
+    </p:tnLst>
+  </p:timing>
 </p:sld>
 </file>
 
@@ -8974,6 +8977,13 @@
   <p:clrMapOvr>
     <a:masterClrMapping/>
   </p:clrMapOvr>
+  <p:timing>
+    <p:tnLst>
+      <p:par>
+        <p:cTn id="1" dur="indefinite" restart="never" nodeType="tmRoot"/>
+      </p:par>
+    </p:tnLst>
+  </p:timing>
 </p:sld>
 </file>
 
@@ -10479,8 +10489,8 @@
           </a:prstGeom>
         </p:spPr>
       </p:pic>
-      <mc:AlternateContent xmlns:mc="http://schemas.openxmlformats.org/markup-compatibility/2006">
-        <mc:Choice xmlns:a14="http://schemas.microsoft.com/office/drawing/2010/main" Requires="a14">
+      <mc:AlternateContent xmlns:mc="http://schemas.openxmlformats.org/markup-compatibility/2006" xmlns:a14="http://schemas.microsoft.com/office/drawing/2010/main">
+        <mc:Choice Requires="a14">
           <p:sp>
             <p:nvSpPr>
               <p:cNvPr id="9" name="TextBox 8"/>
@@ -10590,7 +10600,7 @@
             </p:txBody>
           </p:sp>
         </mc:Choice>
-        <mc:Fallback>
+        <mc:Fallback xmlns="">
           <p:sp>
             <p:nvSpPr>
               <p:cNvPr id="9" name="TextBox 8"/>
@@ -10629,8 +10639,8 @@
           </p:sp>
         </mc:Fallback>
       </mc:AlternateContent>
-      <mc:AlternateContent xmlns:mc="http://schemas.openxmlformats.org/markup-compatibility/2006">
-        <mc:Choice xmlns:a14="http://schemas.microsoft.com/office/drawing/2010/main" Requires="a14">
+      <mc:AlternateContent xmlns:mc="http://schemas.openxmlformats.org/markup-compatibility/2006" xmlns:a14="http://schemas.microsoft.com/office/drawing/2010/main">
+        <mc:Choice Requires="a14">
           <p:sp>
             <p:nvSpPr>
               <p:cNvPr id="10" name="TextBox 9"/>
@@ -10742,7 +10752,7 @@
             </p:txBody>
           </p:sp>
         </mc:Choice>
-        <mc:Fallback>
+        <mc:Fallback xmlns="">
           <p:sp>
             <p:nvSpPr>
               <p:cNvPr id="10" name="TextBox 9"/>
@@ -10781,8 +10791,8 @@
           </p:sp>
         </mc:Fallback>
       </mc:AlternateContent>
-      <mc:AlternateContent xmlns:mc="http://schemas.openxmlformats.org/markup-compatibility/2006">
-        <mc:Choice xmlns:a14="http://schemas.microsoft.com/office/drawing/2010/main" Requires="a14">
+      <mc:AlternateContent xmlns:mc="http://schemas.openxmlformats.org/markup-compatibility/2006" xmlns:a14="http://schemas.microsoft.com/office/drawing/2010/main">
+        <mc:Choice Requires="a14">
           <p:sp>
             <p:nvSpPr>
               <p:cNvPr id="11" name="TextBox 10"/>
@@ -10894,7 +10904,7 @@
             </p:txBody>
           </p:sp>
         </mc:Choice>
-        <mc:Fallback>
+        <mc:Fallback xmlns="">
           <p:sp>
             <p:nvSpPr>
               <p:cNvPr id="11" name="TextBox 10"/>
@@ -11009,8 +11019,8 @@
           </a:prstGeom>
         </p:spPr>
       </p:pic>
-      <mc:AlternateContent xmlns:mc="http://schemas.openxmlformats.org/markup-compatibility/2006">
-        <mc:Choice xmlns:a14="http://schemas.microsoft.com/office/drawing/2010/main" Requires="a14">
+      <mc:AlternateContent xmlns:mc="http://schemas.openxmlformats.org/markup-compatibility/2006" xmlns:a14="http://schemas.microsoft.com/office/drawing/2010/main">
+        <mc:Choice Requires="a14">
           <p:sp>
             <p:nvSpPr>
               <p:cNvPr id="14" name="TextBox 13"/>
@@ -11089,7 +11099,7 @@
             </p:txBody>
           </p:sp>
         </mc:Choice>
-        <mc:Fallback>
+        <mc:Fallback xmlns="">
           <p:sp>
             <p:nvSpPr>
               <p:cNvPr id="14" name="TextBox 13"/>
@@ -11128,8 +11138,8 @@
           </p:sp>
         </mc:Fallback>
       </mc:AlternateContent>
-      <mc:AlternateContent xmlns:mc="http://schemas.openxmlformats.org/markup-compatibility/2006">
-        <mc:Choice xmlns:a14="http://schemas.microsoft.com/office/drawing/2010/main" Requires="a14">
+      <mc:AlternateContent xmlns:mc="http://schemas.openxmlformats.org/markup-compatibility/2006" xmlns:a14="http://schemas.microsoft.com/office/drawing/2010/main">
+        <mc:Choice Requires="a14">
           <p:sp>
             <p:nvSpPr>
               <p:cNvPr id="15" name="TextBox 14"/>
@@ -11208,7 +11218,7 @@
             </p:txBody>
           </p:sp>
         </mc:Choice>
-        <mc:Fallback>
+        <mc:Fallback xmlns="">
           <p:sp>
             <p:nvSpPr>
               <p:cNvPr id="15" name="TextBox 14"/>
@@ -11331,8 +11341,8 @@
           </a:p>
         </p:txBody>
       </p:sp>
-      <mc:AlternateContent xmlns:mc="http://schemas.openxmlformats.org/markup-compatibility/2006">
-        <mc:Choice xmlns:a14="http://schemas.microsoft.com/office/drawing/2010/main" Requires="a14">
+      <mc:AlternateContent xmlns:mc="http://schemas.openxmlformats.org/markup-compatibility/2006" xmlns:a14="http://schemas.microsoft.com/office/drawing/2010/main">
+        <mc:Choice Requires="a14">
           <p:sp>
             <p:nvSpPr>
               <p:cNvPr id="6" name="TextBox 5"/>
@@ -11355,6 +11365,7 @@
               </a:bodyPr>
               <a:lstStyle/>
               <a:p>
+                <a:pPr/>
                 <a14:m>
                   <m:oMathPara xmlns:m="http://schemas.openxmlformats.org/officeDocument/2006/math">
                     <m:oMathParaPr>
@@ -11558,7 +11569,7 @@
             </p:txBody>
           </p:sp>
         </mc:Choice>
-        <mc:Fallback>
+        <mc:Fallback xmlns="">
           <p:sp>
             <p:nvSpPr>
               <p:cNvPr id="6" name="TextBox 5"/>
@@ -11623,7 +11634,6 @@
               <a:rPr lang="en-IN" sz="2400" b="1" dirty="0"/>
               <a:t>Food</a:t>
             </a:r>
-            <a:endParaRPr lang="en-IN" sz="2400" b="1" dirty="0"/>
           </a:p>
         </p:txBody>
       </p:sp>
@@ -11683,7 +11693,6 @@
               <a:rPr lang="en-IN" sz="2400" b="1" dirty="0"/>
               <a:t>Add</a:t>
             </a:r>
-            <a:endParaRPr lang="en-IN" sz="2400" b="1" dirty="0"/>
           </a:p>
         </p:txBody>
       </p:sp>
@@ -12029,8 +12038,8 @@
           </a:fontRef>
         </p:style>
       </p:cxnSp>
-      <mc:AlternateContent xmlns:mc="http://schemas.openxmlformats.org/markup-compatibility/2006">
-        <mc:Choice xmlns:a14="http://schemas.microsoft.com/office/drawing/2010/main" Requires="a14">
+      <mc:AlternateContent xmlns:mc="http://schemas.openxmlformats.org/markup-compatibility/2006" xmlns:a14="http://schemas.microsoft.com/office/drawing/2010/main">
+        <mc:Choice Requires="a14">
           <p:sp>
             <p:nvSpPr>
               <p:cNvPr id="31" name="TextBox 30"/>
@@ -12053,6 +12062,7 @@
               </a:bodyPr>
               <a:lstStyle/>
               <a:p>
+                <a:pPr/>
                 <a14:m>
                   <m:oMathPara xmlns:m="http://schemas.openxmlformats.org/officeDocument/2006/math">
                     <m:oMathParaPr>
@@ -12208,7 +12218,7 @@
             </p:txBody>
           </p:sp>
         </mc:Choice>
-        <mc:Fallback>
+        <mc:Fallback xmlns="">
           <p:sp>
             <p:nvSpPr>
               <p:cNvPr id="31" name="TextBox 30"/>
@@ -12366,8 +12376,8 @@
           </a:p>
         </p:txBody>
       </p:sp>
-      <mc:AlternateContent xmlns:mc="http://schemas.openxmlformats.org/markup-compatibility/2006">
-        <mc:Choice xmlns:a14="http://schemas.microsoft.com/office/drawing/2010/main" Requires="a14">
+      <mc:AlternateContent xmlns:mc="http://schemas.openxmlformats.org/markup-compatibility/2006" xmlns:a14="http://schemas.microsoft.com/office/drawing/2010/main">
+        <mc:Choice Requires="a14">
           <p:sp>
             <p:nvSpPr>
               <p:cNvPr id="5" name="TextBox 4"/>
@@ -12390,6 +12400,7 @@
               </a:bodyPr>
               <a:lstStyle/>
               <a:p>
+                <a:pPr/>
                 <a14:m>
                   <m:oMathPara xmlns:m="http://schemas.openxmlformats.org/officeDocument/2006/math">
                     <m:oMathParaPr>
@@ -12593,7 +12604,7 @@
             </p:txBody>
           </p:sp>
         </mc:Choice>
-        <mc:Fallback>
+        <mc:Fallback xmlns="">
           <p:sp>
             <p:nvSpPr>
               <p:cNvPr id="5" name="TextBox 4"/>
@@ -12757,8 +12768,8 @@
           </a:prstGeom>
         </p:spPr>
       </p:pic>
-      <mc:AlternateContent xmlns:mc="http://schemas.openxmlformats.org/markup-compatibility/2006">
-        <mc:Choice xmlns:a14="http://schemas.microsoft.com/office/drawing/2010/main" Requires="a14">
+      <mc:AlternateContent xmlns:mc="http://schemas.openxmlformats.org/markup-compatibility/2006" xmlns:a14="http://schemas.microsoft.com/office/drawing/2010/main">
+        <mc:Choice Requires="a14">
           <p:sp>
             <p:nvSpPr>
               <p:cNvPr id="10" name="TextBox 9"/>
@@ -12868,7 +12879,7 @@
             </p:txBody>
           </p:sp>
         </mc:Choice>
-        <mc:Fallback>
+        <mc:Fallback xmlns="">
           <p:sp>
             <p:nvSpPr>
               <p:cNvPr id="10" name="TextBox 9"/>
@@ -12907,8 +12918,8 @@
           </p:sp>
         </mc:Fallback>
       </mc:AlternateContent>
-      <mc:AlternateContent xmlns:mc="http://schemas.openxmlformats.org/markup-compatibility/2006">
-        <mc:Choice xmlns:a14="http://schemas.microsoft.com/office/drawing/2010/main" Requires="a14">
+      <mc:AlternateContent xmlns:mc="http://schemas.openxmlformats.org/markup-compatibility/2006" xmlns:a14="http://schemas.microsoft.com/office/drawing/2010/main">
+        <mc:Choice Requires="a14">
           <p:sp>
             <p:nvSpPr>
               <p:cNvPr id="11" name="TextBox 10"/>
@@ -13020,7 +13031,7 @@
             </p:txBody>
           </p:sp>
         </mc:Choice>
-        <mc:Fallback>
+        <mc:Fallback xmlns="">
           <p:sp>
             <p:nvSpPr>
               <p:cNvPr id="11" name="TextBox 10"/>
@@ -13059,8 +13070,8 @@
           </p:sp>
         </mc:Fallback>
       </mc:AlternateContent>
-      <mc:AlternateContent xmlns:mc="http://schemas.openxmlformats.org/markup-compatibility/2006">
-        <mc:Choice xmlns:a14="http://schemas.microsoft.com/office/drawing/2010/main" Requires="a14">
+      <mc:AlternateContent xmlns:mc="http://schemas.openxmlformats.org/markup-compatibility/2006" xmlns:a14="http://schemas.microsoft.com/office/drawing/2010/main">
+        <mc:Choice Requires="a14">
           <p:sp>
             <p:nvSpPr>
               <p:cNvPr id="12" name="TextBox 11"/>
@@ -13172,7 +13183,7 @@
             </p:txBody>
           </p:sp>
         </mc:Choice>
-        <mc:Fallback>
+        <mc:Fallback xmlns="">
           <p:sp>
             <p:nvSpPr>
               <p:cNvPr id="12" name="TextBox 11"/>
@@ -13268,8 +13279,8 @@
           </a:p>
         </p:txBody>
       </p:sp>
-      <mc:AlternateContent xmlns:mc="http://schemas.openxmlformats.org/markup-compatibility/2006">
-        <mc:Choice xmlns:a14="http://schemas.microsoft.com/office/drawing/2010/main" Requires="a14">
+      <mc:AlternateContent xmlns:mc="http://schemas.openxmlformats.org/markup-compatibility/2006" xmlns:a14="http://schemas.microsoft.com/office/drawing/2010/main">
+        <mc:Choice Requires="a14">
           <p:sp>
             <p:nvSpPr>
               <p:cNvPr id="15" name="TextBox 14"/>
@@ -13292,6 +13303,7 @@
               </a:bodyPr>
               <a:lstStyle/>
               <a:p>
+                <a:pPr/>
                 <a14:m>
                   <m:oMathPara xmlns:m="http://schemas.openxmlformats.org/officeDocument/2006/math">
                     <m:oMathParaPr>
@@ -13399,7 +13411,7 @@
             </p:txBody>
           </p:sp>
         </mc:Choice>
-        <mc:Fallback>
+        <mc:Fallback xmlns="">
           <p:sp>
             <p:nvSpPr>
               <p:cNvPr id="15" name="TextBox 14"/>
@@ -13473,8 +13485,8 @@
           </a:fontRef>
         </p:style>
       </p:cxnSp>
-      <mc:AlternateContent xmlns:mc="http://schemas.openxmlformats.org/markup-compatibility/2006">
-        <mc:Choice xmlns:a14="http://schemas.microsoft.com/office/drawing/2010/main" Requires="a14">
+      <mc:AlternateContent xmlns:mc="http://schemas.openxmlformats.org/markup-compatibility/2006" xmlns:a14="http://schemas.microsoft.com/office/drawing/2010/main">
+        <mc:Choice Requires="a14">
           <p:sp>
             <p:nvSpPr>
               <p:cNvPr id="19" name="TextBox 18"/>
@@ -13584,7 +13596,7 @@
             </p:txBody>
           </p:sp>
         </mc:Choice>
-        <mc:Fallback>
+        <mc:Fallback xmlns="">
           <p:sp>
             <p:nvSpPr>
               <p:cNvPr id="19" name="TextBox 18"/>
@@ -13933,8 +13945,8 @@
           </a:prstGeom>
         </p:spPr>
       </p:pic>
-      <mc:AlternateContent xmlns:mc="http://schemas.openxmlformats.org/markup-compatibility/2006">
-        <mc:Choice xmlns:a14="http://schemas.microsoft.com/office/drawing/2010/main" Requires="a14">
+      <mc:AlternateContent xmlns:mc="http://schemas.openxmlformats.org/markup-compatibility/2006" xmlns:a14="http://schemas.microsoft.com/office/drawing/2010/main">
+        <mc:Choice Requires="a14">
           <p:sp>
             <p:nvSpPr>
               <p:cNvPr id="7" name="TextBox 6"/>
@@ -14013,7 +14025,7 @@
             </p:txBody>
           </p:sp>
         </mc:Choice>
-        <mc:Fallback>
+        <mc:Fallback xmlns="">
           <p:sp>
             <p:nvSpPr>
               <p:cNvPr id="7" name="TextBox 6"/>
@@ -14052,8 +14064,8 @@
           </p:sp>
         </mc:Fallback>
       </mc:AlternateContent>
-      <mc:AlternateContent xmlns:mc="http://schemas.openxmlformats.org/markup-compatibility/2006">
-        <mc:Choice xmlns:a14="http://schemas.microsoft.com/office/drawing/2010/main" Requires="a14">
+      <mc:AlternateContent xmlns:mc="http://schemas.openxmlformats.org/markup-compatibility/2006" xmlns:a14="http://schemas.microsoft.com/office/drawing/2010/main">
+        <mc:Choice Requires="a14">
           <p:sp>
             <p:nvSpPr>
               <p:cNvPr id="8" name="TextBox 7"/>
@@ -14132,7 +14144,7 @@
             </p:txBody>
           </p:sp>
         </mc:Choice>
-        <mc:Fallback>
+        <mc:Fallback xmlns="">
           <p:sp>
             <p:nvSpPr>
               <p:cNvPr id="8" name="TextBox 7"/>
@@ -14171,8 +14183,8 @@
           </p:sp>
         </mc:Fallback>
       </mc:AlternateContent>
-      <mc:AlternateContent xmlns:mc="http://schemas.openxmlformats.org/markup-compatibility/2006">
-        <mc:Choice xmlns:a14="http://schemas.microsoft.com/office/drawing/2010/main" Requires="a14">
+      <mc:AlternateContent xmlns:mc="http://schemas.openxmlformats.org/markup-compatibility/2006" xmlns:a14="http://schemas.microsoft.com/office/drawing/2010/main">
+        <mc:Choice Requires="a14">
           <p:sp>
             <p:nvSpPr>
               <p:cNvPr id="9" name="TextBox 8"/>
@@ -14195,6 +14207,7 @@
               </a:bodyPr>
               <a:lstStyle/>
               <a:p>
+                <a:pPr/>
                 <a14:m>
                   <m:oMathPara xmlns:m="http://schemas.openxmlformats.org/officeDocument/2006/math">
                     <m:oMathParaPr>
@@ -14350,7 +14363,7 @@
             </p:txBody>
           </p:sp>
         </mc:Choice>
-        <mc:Fallback>
+        <mc:Fallback xmlns="">
           <p:sp>
             <p:nvSpPr>
               <p:cNvPr id="9" name="TextBox 8"/>
@@ -14454,8 +14467,8 @@
           </a:fontRef>
         </p:style>
       </p:cxnSp>
-      <mc:AlternateContent xmlns:mc="http://schemas.openxmlformats.org/markup-compatibility/2006">
-        <mc:Choice xmlns:a14="http://schemas.microsoft.com/office/drawing/2010/main" Requires="a14">
+      <mc:AlternateContent xmlns:mc="http://schemas.openxmlformats.org/markup-compatibility/2006" xmlns:a14="http://schemas.microsoft.com/office/drawing/2010/main">
+        <mc:Choice Requires="a14">
           <p:sp>
             <p:nvSpPr>
               <p:cNvPr id="12" name="TextBox 11"/>
@@ -14534,7 +14547,7 @@
             </p:txBody>
           </p:sp>
         </mc:Choice>
-        <mc:Fallback>
+        <mc:Fallback xmlns="">
           <p:sp>
             <p:nvSpPr>
               <p:cNvPr id="12" name="TextBox 11"/>
@@ -14640,8 +14653,8 @@
           </a:p>
         </p:txBody>
       </p:sp>
-      <mc:AlternateContent xmlns:mc="http://schemas.openxmlformats.org/markup-compatibility/2006">
-        <mc:Choice xmlns:a14="http://schemas.microsoft.com/office/drawing/2010/main" Requires="a14">
+      <mc:AlternateContent xmlns:mc="http://schemas.openxmlformats.org/markup-compatibility/2006" xmlns:a14="http://schemas.microsoft.com/office/drawing/2010/main">
+        <mc:Choice Requires="a14">
           <p:sp>
             <p:nvSpPr>
               <p:cNvPr id="15" name="TextBox 14"/>
@@ -14664,6 +14677,7 @@
               </a:bodyPr>
               <a:lstStyle/>
               <a:p>
+                <a:pPr/>
                 <a14:m>
                   <m:oMathPara xmlns:m="http://schemas.openxmlformats.org/officeDocument/2006/math">
                     <m:oMathParaPr>
@@ -14771,7 +14785,7 @@
             </p:txBody>
           </p:sp>
         </mc:Choice>
-        <mc:Fallback>
+        <mc:Fallback xmlns="">
           <p:sp>
             <p:nvSpPr>
               <p:cNvPr id="15" name="TextBox 14"/>
@@ -15081,8 +15095,8 @@
           </a:prstGeom>
         </p:spPr>
       </p:pic>
-      <mc:AlternateContent xmlns:mc="http://schemas.openxmlformats.org/markup-compatibility/2006">
-        <mc:Choice xmlns:a14="http://schemas.microsoft.com/office/drawing/2010/main" Requires="a14">
+      <mc:AlternateContent xmlns:mc="http://schemas.openxmlformats.org/markup-compatibility/2006" xmlns:a14="http://schemas.microsoft.com/office/drawing/2010/main">
+        <mc:Choice Requires="a14">
           <p:sp>
             <p:nvSpPr>
               <p:cNvPr id="7" name="TextBox 6"/>
@@ -15161,7 +15175,7 @@
             </p:txBody>
           </p:sp>
         </mc:Choice>
-        <mc:Fallback>
+        <mc:Fallback xmlns="">
           <p:sp>
             <p:nvSpPr>
               <p:cNvPr id="7" name="TextBox 6"/>
@@ -15200,8 +15214,8 @@
           </p:sp>
         </mc:Fallback>
       </mc:AlternateContent>
-      <mc:AlternateContent xmlns:mc="http://schemas.openxmlformats.org/markup-compatibility/2006">
-        <mc:Choice xmlns:a14="http://schemas.microsoft.com/office/drawing/2010/main" Requires="a14">
+      <mc:AlternateContent xmlns:mc="http://schemas.openxmlformats.org/markup-compatibility/2006" xmlns:a14="http://schemas.microsoft.com/office/drawing/2010/main">
+        <mc:Choice Requires="a14">
           <p:sp>
             <p:nvSpPr>
               <p:cNvPr id="8" name="TextBox 7"/>
@@ -15280,7 +15294,7 @@
             </p:txBody>
           </p:sp>
         </mc:Choice>
-        <mc:Fallback>
+        <mc:Fallback xmlns="">
           <p:sp>
             <p:nvSpPr>
               <p:cNvPr id="8" name="TextBox 7"/>
@@ -15319,8 +15333,8 @@
           </p:sp>
         </mc:Fallback>
       </mc:AlternateContent>
-      <mc:AlternateContent xmlns:mc="http://schemas.openxmlformats.org/markup-compatibility/2006">
-        <mc:Choice xmlns:a14="http://schemas.microsoft.com/office/drawing/2010/main" Requires="a14">
+      <mc:AlternateContent xmlns:mc="http://schemas.openxmlformats.org/markup-compatibility/2006" xmlns:a14="http://schemas.microsoft.com/office/drawing/2010/main">
+        <mc:Choice Requires="a14">
           <p:sp>
             <p:nvSpPr>
               <p:cNvPr id="9" name="TextBox 8"/>
@@ -15343,6 +15357,7 @@
               </a:bodyPr>
               <a:lstStyle/>
               <a:p>
+                <a:pPr/>
                 <a14:m>
                   <m:oMathPara xmlns:m="http://schemas.openxmlformats.org/officeDocument/2006/math">
                     <m:oMathParaPr>
@@ -15498,7 +15513,7 @@
             </p:txBody>
           </p:sp>
         </mc:Choice>
-        <mc:Fallback>
+        <mc:Fallback xmlns="">
           <p:sp>
             <p:nvSpPr>
               <p:cNvPr id="9" name="TextBox 8"/>
@@ -15602,8 +15617,8 @@
           </a:fontRef>
         </p:style>
       </p:cxnSp>
-      <mc:AlternateContent xmlns:mc="http://schemas.openxmlformats.org/markup-compatibility/2006">
-        <mc:Choice xmlns:a14="http://schemas.microsoft.com/office/drawing/2010/main" Requires="a14">
+      <mc:AlternateContent xmlns:mc="http://schemas.openxmlformats.org/markup-compatibility/2006" xmlns:a14="http://schemas.microsoft.com/office/drawing/2010/main">
+        <mc:Choice Requires="a14">
           <p:sp>
             <p:nvSpPr>
               <p:cNvPr id="12" name="TextBox 11"/>
@@ -15682,7 +15697,7 @@
             </p:txBody>
           </p:sp>
         </mc:Choice>
-        <mc:Fallback>
+        <mc:Fallback xmlns="">
           <p:sp>
             <p:nvSpPr>
               <p:cNvPr id="12" name="TextBox 11"/>
@@ -15749,8 +15764,8 @@
           </a:p>
         </p:txBody>
       </p:sp>
-      <mc:AlternateContent xmlns:mc="http://schemas.openxmlformats.org/markup-compatibility/2006">
-        <mc:Choice xmlns:a14="http://schemas.microsoft.com/office/drawing/2010/main" Requires="a14">
+      <mc:AlternateContent xmlns:mc="http://schemas.openxmlformats.org/markup-compatibility/2006" xmlns:a14="http://schemas.microsoft.com/office/drawing/2010/main">
+        <mc:Choice Requires="a14">
           <p:sp>
             <p:nvSpPr>
               <p:cNvPr id="15" name="TextBox 14"/>
@@ -15773,6 +15788,7 @@
               </a:bodyPr>
               <a:lstStyle/>
               <a:p>
+                <a:pPr/>
                 <a14:m>
                   <m:oMathPara xmlns:m="http://schemas.openxmlformats.org/officeDocument/2006/math">
                     <m:oMathParaPr>
@@ -15880,7 +15896,7 @@
             </p:txBody>
           </p:sp>
         </mc:Choice>
-        <mc:Fallback>
+        <mc:Fallback xmlns="">
           <p:sp>
             <p:nvSpPr>
               <p:cNvPr id="15" name="TextBox 14"/>
@@ -16151,8 +16167,8 @@
           </a:p>
         </p:txBody>
       </p:sp>
-      <mc:AlternateContent xmlns:mc="http://schemas.openxmlformats.org/markup-compatibility/2006">
-        <mc:Choice xmlns:a14="http://schemas.microsoft.com/office/drawing/2010/main" Requires="a14">
+      <mc:AlternateContent xmlns:mc="http://schemas.openxmlformats.org/markup-compatibility/2006" xmlns:a14="http://schemas.microsoft.com/office/drawing/2010/main">
+        <mc:Choice Requires="a14">
           <p:sp>
             <p:nvSpPr>
               <p:cNvPr id="5" name="TextBox 4"/>
@@ -16175,6 +16191,7 @@
               </a:bodyPr>
               <a:lstStyle/>
               <a:p>
+                <a:pPr/>
                 <a14:m>
                   <m:oMathPara xmlns:m="http://schemas.openxmlformats.org/officeDocument/2006/math">
                     <m:oMathParaPr>
@@ -16282,7 +16299,7 @@
             </p:txBody>
           </p:sp>
         </mc:Choice>
-        <mc:Fallback>
+        <mc:Fallback xmlns="">
           <p:sp>
             <p:nvSpPr>
               <p:cNvPr id="5" name="TextBox 4"/>
@@ -16564,8 +16581,8 @@
           </a:p>
         </p:txBody>
       </p:sp>
-      <mc:AlternateContent xmlns:mc="http://schemas.openxmlformats.org/markup-compatibility/2006">
-        <mc:Choice xmlns:a14="http://schemas.microsoft.com/office/drawing/2010/main" Requires="a14">
+      <mc:AlternateContent xmlns:mc="http://schemas.openxmlformats.org/markup-compatibility/2006" xmlns:a14="http://schemas.microsoft.com/office/drawing/2010/main">
+        <mc:Choice Requires="a14">
           <p:sp>
             <p:nvSpPr>
               <p:cNvPr id="14" name="TextBox 13"/>
@@ -16588,6 +16605,7 @@
               </a:bodyPr>
               <a:lstStyle/>
               <a:p>
+                <a:pPr/>
                 <a14:m>
                   <m:oMathPara xmlns:m="http://schemas.openxmlformats.org/officeDocument/2006/math">
                     <m:oMathParaPr>
@@ -16695,7 +16713,7 @@
             </p:txBody>
           </p:sp>
         </mc:Choice>
-        <mc:Fallback>
+        <mc:Fallback xmlns="">
           <p:sp>
             <p:nvSpPr>
               <p:cNvPr id="14" name="TextBox 13"/>
@@ -16884,8 +16902,8 @@
           </a:prstGeom>
         </p:spPr>
       </p:pic>
-      <mc:AlternateContent xmlns:mc="http://schemas.openxmlformats.org/markup-compatibility/2006">
-        <mc:Choice xmlns:a14="http://schemas.microsoft.com/office/drawing/2010/main" Requires="a14">
+      <mc:AlternateContent xmlns:mc="http://schemas.openxmlformats.org/markup-compatibility/2006" xmlns:a14="http://schemas.microsoft.com/office/drawing/2010/main">
+        <mc:Choice Requires="a14">
           <p:sp>
             <p:nvSpPr>
               <p:cNvPr id="19" name="TextBox 18"/>
@@ -16908,6 +16926,7 @@
               </a:bodyPr>
               <a:lstStyle/>
               <a:p>
+                <a:pPr/>
                 <a14:m>
                   <m:oMathPara xmlns:m="http://schemas.openxmlformats.org/officeDocument/2006/math">
                     <m:oMathParaPr>
@@ -17015,7 +17034,7 @@
             </p:txBody>
           </p:sp>
         </mc:Choice>
-        <mc:Fallback>
+        <mc:Fallback xmlns="">
           <p:sp>
             <p:nvSpPr>
               <p:cNvPr id="19" name="TextBox 18"/>
@@ -17274,8 +17293,8 @@
           </a:p>
         </p:txBody>
       </p:sp>
-      <mc:AlternateContent xmlns:mc="http://schemas.openxmlformats.org/markup-compatibility/2006">
-        <mc:Choice xmlns:a14="http://schemas.microsoft.com/office/drawing/2010/main" Requires="a14">
+      <mc:AlternateContent xmlns:mc="http://schemas.openxmlformats.org/markup-compatibility/2006" xmlns:a14="http://schemas.microsoft.com/office/drawing/2010/main">
+        <mc:Choice Requires="a14">
           <p:sp>
             <p:nvSpPr>
               <p:cNvPr id="5" name="TextBox 4"/>
@@ -17298,6 +17317,7 @@
               </a:bodyPr>
               <a:lstStyle/>
               <a:p>
+                <a:pPr/>
                 <a14:m>
                   <m:oMathPara xmlns:m="http://schemas.openxmlformats.org/officeDocument/2006/math">
                     <m:oMathParaPr>
@@ -17405,7 +17425,7 @@
             </p:txBody>
           </p:sp>
         </mc:Choice>
-        <mc:Fallback>
+        <mc:Fallback xmlns="">
           <p:sp>
             <p:nvSpPr>
               <p:cNvPr id="5" name="TextBox 4"/>
@@ -17479,8 +17499,8 @@
           </a:fontRef>
         </p:style>
       </p:cxnSp>
-      <mc:AlternateContent xmlns:mc="http://schemas.openxmlformats.org/markup-compatibility/2006">
-        <mc:Choice xmlns:a14="http://schemas.microsoft.com/office/drawing/2010/main" Requires="a14">
+      <mc:AlternateContent xmlns:mc="http://schemas.openxmlformats.org/markup-compatibility/2006" xmlns:a14="http://schemas.microsoft.com/office/drawing/2010/main">
+        <mc:Choice Requires="a14">
           <p:sp>
             <p:nvSpPr>
               <p:cNvPr id="7" name="TextBox 6"/>
@@ -17503,6 +17523,7 @@
               </a:bodyPr>
               <a:lstStyle/>
               <a:p>
+                <a:pPr/>
                 <a14:m>
                   <m:oMathPara xmlns:m="http://schemas.openxmlformats.org/officeDocument/2006/math">
                     <m:oMathParaPr>
@@ -17610,7 +17631,7 @@
             </p:txBody>
           </p:sp>
         </mc:Choice>
-        <mc:Fallback>
+        <mc:Fallback xmlns="">
           <p:sp>
             <p:nvSpPr>
               <p:cNvPr id="7" name="TextBox 6"/>
@@ -18011,8 +18032,8 @@
           </a:p>
         </p:txBody>
       </p:sp>
-      <mc:AlternateContent xmlns:mc="http://schemas.openxmlformats.org/markup-compatibility/2006">
-        <mc:Choice xmlns:a14="http://schemas.microsoft.com/office/drawing/2010/main" Requires="a14">
+      <mc:AlternateContent xmlns:mc="http://schemas.openxmlformats.org/markup-compatibility/2006" xmlns:a14="http://schemas.microsoft.com/office/drawing/2010/main">
+        <mc:Choice Requires="a14">
           <p:sp>
             <p:nvSpPr>
               <p:cNvPr id="14" name="TextBox 13"/>
@@ -18124,7 +18145,7 @@
             </p:txBody>
           </p:sp>
         </mc:Choice>
-        <mc:Fallback>
+        <mc:Fallback xmlns="">
           <p:sp>
             <p:nvSpPr>
               <p:cNvPr id="14" name="TextBox 13"/>
@@ -18163,8 +18184,8 @@
           </p:sp>
         </mc:Fallback>
       </mc:AlternateContent>
-      <mc:AlternateContent xmlns:mc="http://schemas.openxmlformats.org/markup-compatibility/2006">
-        <mc:Choice xmlns:a14="http://schemas.microsoft.com/office/drawing/2010/main" Requires="a14">
+      <mc:AlternateContent xmlns:mc="http://schemas.openxmlformats.org/markup-compatibility/2006" xmlns:a14="http://schemas.microsoft.com/office/drawing/2010/main">
+        <mc:Choice Requires="a14">
           <p:sp>
             <p:nvSpPr>
               <p:cNvPr id="15" name="TextBox 14"/>
@@ -18294,7 +18315,7 @@
             </p:txBody>
           </p:sp>
         </mc:Choice>
-        <mc:Fallback>
+        <mc:Fallback xmlns="">
           <p:sp>
             <p:nvSpPr>
               <p:cNvPr id="15" name="TextBox 14"/>
@@ -18649,8 +18670,8 @@
           </a:prstGeom>
         </p:spPr>
       </p:pic>
-      <mc:AlternateContent xmlns:mc="http://schemas.openxmlformats.org/markup-compatibility/2006">
-        <mc:Choice xmlns:a14="http://schemas.microsoft.com/office/drawing/2010/main" Requires="a14">
+      <mc:AlternateContent xmlns:mc="http://schemas.openxmlformats.org/markup-compatibility/2006" xmlns:a14="http://schemas.microsoft.com/office/drawing/2010/main">
+        <mc:Choice Requires="a14">
           <p:sp>
             <p:nvSpPr>
               <p:cNvPr id="10" name="TextBox 9"/>
@@ -18762,7 +18783,7 @@
             </p:txBody>
           </p:sp>
         </mc:Choice>
-        <mc:Fallback>
+        <mc:Fallback xmlns="">
           <p:sp>
             <p:nvSpPr>
               <p:cNvPr id="10" name="TextBox 9"/>
@@ -18857,7 +18878,6 @@
               <a:rPr lang="en-IN" b="1" dirty="0"/>
               <a:t>1</a:t>
             </a:r>
-            <a:endParaRPr lang="en-IN" b="1" dirty="0"/>
           </a:p>
         </p:txBody>
       </p:sp>
@@ -18891,8 +18911,8 @@
           </a:p>
         </p:txBody>
       </p:sp>
-      <mc:AlternateContent xmlns:mc="http://schemas.openxmlformats.org/markup-compatibility/2006">
-        <mc:Choice xmlns:a14="http://schemas.microsoft.com/office/drawing/2010/main" Requires="a14">
+      <mc:AlternateContent xmlns:mc="http://schemas.openxmlformats.org/markup-compatibility/2006" xmlns:a14="http://schemas.microsoft.com/office/drawing/2010/main">
+        <mc:Choice Requires="a14">
           <p:sp>
             <p:nvSpPr>
               <p:cNvPr id="14" name="TextBox 13"/>
@@ -19002,7 +19022,7 @@
             </p:txBody>
           </p:sp>
         </mc:Choice>
-        <mc:Fallback>
+        <mc:Fallback xmlns="">
           <p:sp>
             <p:nvSpPr>
               <p:cNvPr id="14" name="TextBox 13"/>
@@ -19067,7 +19087,6 @@
               <a:rPr lang="en-IN" b="1" dirty="0"/>
               <a:t>1</a:t>
             </a:r>
-            <a:endParaRPr lang="en-IN" b="1" dirty="0"/>
           </a:p>
         </p:txBody>
       </p:sp>
@@ -19131,8 +19150,8 @@
           </a:p>
         </p:txBody>
       </p:sp>
-      <mc:AlternateContent xmlns:mc="http://schemas.openxmlformats.org/markup-compatibility/2006">
-        <mc:Choice xmlns:a14="http://schemas.microsoft.com/office/drawing/2010/main" Requires="a14">
+      <mc:AlternateContent xmlns:mc="http://schemas.openxmlformats.org/markup-compatibility/2006" xmlns:a14="http://schemas.microsoft.com/office/drawing/2010/main">
+        <mc:Choice Requires="a14">
           <p:sp>
             <p:nvSpPr>
               <p:cNvPr id="18" name="TextBox 17"/>
@@ -19211,7 +19230,7 @@
             </p:txBody>
           </p:sp>
         </mc:Choice>
-        <mc:Fallback>
+        <mc:Fallback xmlns="">
           <p:sp>
             <p:nvSpPr>
               <p:cNvPr id="18" name="TextBox 17"/>
@@ -19276,7 +19295,6 @@
               <a:rPr lang="en-IN" b="1" dirty="0"/>
               <a:t>1</a:t>
             </a:r>
-            <a:endParaRPr lang="en-IN" b="1" dirty="0"/>
           </a:p>
         </p:txBody>
       </p:sp>
@@ -19507,7 +19525,15 @@
           <a:p>
             <a:r>
               <a:rPr lang="en-IN" dirty="0" smtClean="0"/>
-              <a:t>MONDAY            TUESDAY           WEDNESDAY            THURSDAT             FRIDAY              SATURDAY</a:t>
+              <a:t>MONDAY            TUESDAY           WEDNESDAY            </a:t>
+            </a:r>
+            <a:r>
+              <a:rPr lang="en-IN" dirty="0" smtClean="0"/>
+              <a:t>THURSDAY             </a:t>
+            </a:r>
+            <a:r>
+              <a:rPr lang="en-IN" dirty="0" smtClean="0"/>
+              <a:t>FRIDAY              SATURDAY</a:t>
             </a:r>
             <a:endParaRPr lang="en-IN" dirty="0"/>
           </a:p>
@@ -22672,7 +22698,7 @@
   <a:extraClrSchemeLst/>
   <a:extLst>
     <a:ext uri="{05A4C25C-085E-4340-85A3-A5531E510DB2}">
-      <thm15:themeFamily xmlns:thm15="http://schemas.microsoft.com/office/thememl/2012/main" xmlns="" name="Office Theme" id="{62F939B6-93AF-4DB8-9C6B-D6C7DFDC589F}" vid="{4A3C46E8-61CC-4603-A589-7422A47A8E4A}"/>
+      <thm15:themeFamily xmlns="" xmlns:thm15="http://schemas.microsoft.com/office/thememl/2012/main" name="Office Theme" id="{62F939B6-93AF-4DB8-9C6B-D6C7DFDC589F}" vid="{4A3C46E8-61CC-4603-A589-7422A47A8E4A}"/>
     </a:ext>
   </a:extLst>
 </a:theme>
@@ -22967,7 +22993,7 @@
   <a:extraClrSchemeLst/>
   <a:extLst>
     <a:ext uri="{05A4C25C-085E-4340-85A3-A5531E510DB2}">
-      <thm15:themeFamily xmlns:thm15="http://schemas.microsoft.com/office/thememl/2012/main" xmlns="" name="Office Theme" id="{62F939B6-93AF-4DB8-9C6B-D6C7DFDC589F}" vid="{4A3C46E8-61CC-4603-A589-7422A47A8E4A}"/>
+      <thm15:themeFamily xmlns="" xmlns:thm15="http://schemas.microsoft.com/office/thememl/2012/main" name="Office Theme" id="{62F939B6-93AF-4DB8-9C6B-D6C7DFDC589F}" vid="{4A3C46E8-61CC-4603-A589-7422A47A8E4A}"/>
     </a:ext>
   </a:extLst>
 </a:theme>
